--- a/Materi 1 - Database Connectivity/Node Js - Database Connectivity.pptx
+++ b/Materi 1 - Database Connectivity/Node Js - Database Connectivity.pptx
@@ -5,7 +5,7 @@
     <p:sldMasterId id="2147483659" r:id="rId1"/>
   </p:sldMasterIdLst>
   <p:notesMasterIdLst>
-    <p:notesMasterId r:id="rId10"/>
+    <p:notesMasterId r:id="rId19"/>
   </p:notesMasterIdLst>
   <p:sldIdLst>
     <p:sldId id="256" r:id="rId2"/>
@@ -13,40 +13,49 @@
     <p:sldId id="259" r:id="rId4"/>
     <p:sldId id="261" r:id="rId5"/>
     <p:sldId id="262" r:id="rId6"/>
-    <p:sldId id="263" r:id="rId7"/>
-    <p:sldId id="264" r:id="rId8"/>
-    <p:sldId id="265" r:id="rId9"/>
+    <p:sldId id="274" r:id="rId7"/>
+    <p:sldId id="263" r:id="rId8"/>
+    <p:sldId id="264" r:id="rId9"/>
+    <p:sldId id="265" r:id="rId10"/>
+    <p:sldId id="272" r:id="rId11"/>
+    <p:sldId id="273" r:id="rId12"/>
+    <p:sldId id="266" r:id="rId13"/>
+    <p:sldId id="271" r:id="rId14"/>
+    <p:sldId id="270" r:id="rId15"/>
+    <p:sldId id="269" r:id="rId16"/>
+    <p:sldId id="267" r:id="rId17"/>
+    <p:sldId id="268" r:id="rId18"/>
   </p:sldIdLst>
   <p:sldSz cx="9144000" cy="5143500" type="screen16x9"/>
   <p:notesSz cx="6858000" cy="9144000"/>
   <p:embeddedFontLst>
     <p:embeddedFont>
       <p:font typeface="Economica" panose="020B0604020202020204" charset="0"/>
-      <p:regular r:id="rId11"/>
-      <p:bold r:id="rId12"/>
-      <p:italic r:id="rId13"/>
-      <p:boldItalic r:id="rId14"/>
+      <p:regular r:id="rId20"/>
+      <p:bold r:id="rId21"/>
+      <p:italic r:id="rId22"/>
+      <p:boldItalic r:id="rId23"/>
     </p:embeddedFont>
     <p:embeddedFont>
-      <p:font typeface="Google Sans"/>
-      <p:regular r:id="rId15"/>
-      <p:bold r:id="rId16"/>
-      <p:italic r:id="rId17"/>
-      <p:boldItalic r:id="rId18"/>
+      <p:font typeface="Google Sans" panose="020B0604020202020204" charset="0"/>
+      <p:regular r:id="rId24"/>
+      <p:bold r:id="rId25"/>
+      <p:italic r:id="rId26"/>
+      <p:boldItalic r:id="rId27"/>
     </p:embeddedFont>
     <p:embeddedFont>
       <p:font typeface="Open Sans" panose="020B0606030504020204" pitchFamily="34" charset="0"/>
-      <p:regular r:id="rId19"/>
-      <p:bold r:id="rId20"/>
-      <p:italic r:id="rId21"/>
-      <p:boldItalic r:id="rId22"/>
+      <p:regular r:id="rId28"/>
+      <p:bold r:id="rId29"/>
+      <p:italic r:id="rId30"/>
+      <p:boldItalic r:id="rId31"/>
     </p:embeddedFont>
     <p:embeddedFont>
       <p:font typeface="Roboto" panose="02000000000000000000" pitchFamily="2" charset="0"/>
-      <p:regular r:id="rId23"/>
-      <p:bold r:id="rId24"/>
-      <p:italic r:id="rId25"/>
-      <p:boldItalic r:id="rId26"/>
+      <p:regular r:id="rId32"/>
+      <p:bold r:id="rId33"/>
+      <p:italic r:id="rId34"/>
+      <p:boldItalic r:id="rId35"/>
     </p:embeddedFont>
   </p:embeddedFontLst>
   <p:defaultTextStyle>
@@ -842,6 +851,168 @@
 </p:notes>
 </file>
 
+<file path=ppt/notesSlides/notesSlide10.xml><?xml version="1.0" encoding="utf-8"?>
+<p:notes xmlns:a="http://schemas.openxmlformats.org/drawingml/2006/main" xmlns:r="http://schemas.openxmlformats.org/officeDocument/2006/relationships" xmlns:p="http://schemas.openxmlformats.org/presentationml/2006/main">
+  <p:cSld>
+    <p:spTree>
+      <p:nvGrpSpPr>
+        <p:cNvPr id="1" name=""/>
+        <p:cNvGrpSpPr/>
+        <p:nvPr/>
+      </p:nvGrpSpPr>
+      <p:grpSpPr>
+        <a:xfrm>
+          <a:off x="0" y="0"/>
+          <a:ext cx="0" cy="0"/>
+          <a:chOff x="0" y="0"/>
+          <a:chExt cx="0" cy="0"/>
+        </a:xfrm>
+      </p:grpSpPr>
+      <p:sp>
+        <p:nvSpPr>
+          <p:cNvPr id="2" name="Slide Image Placeholder 1"/>
+          <p:cNvSpPr>
+            <a:spLocks noGrp="1" noRot="1" noChangeAspect="1"/>
+          </p:cNvSpPr>
+          <p:nvPr>
+            <p:ph type="sldImg"/>
+          </p:nvPr>
+        </p:nvSpPr>
+        <p:spPr>
+          <a:xfrm>
+            <a:off x="381000" y="685800"/>
+            <a:ext cx="6096000" cy="3429000"/>
+          </a:xfrm>
+        </p:spPr>
+      </p:sp>
+      <p:sp>
+        <p:nvSpPr>
+          <p:cNvPr id="3" name="Notes Placeholder 2"/>
+          <p:cNvSpPr>
+            <a:spLocks noGrp="1"/>
+          </p:cNvSpPr>
+          <p:nvPr>
+            <p:ph type="body" idx="1"/>
+          </p:nvPr>
+        </p:nvSpPr>
+        <p:spPr/>
+        <p:txBody>
+          <a:bodyPr/>
+          <a:lstStyle/>
+          <a:p>
+            <a:r>
+              <a:rPr lang="en-ID" dirty="0"/>
+              <a:t>https://quizizz.com/join?gc=922013</a:t>
+            </a:r>
+          </a:p>
+        </p:txBody>
+      </p:sp>
+    </p:spTree>
+    <p:extLst>
+      <p:ext uri="{BB962C8B-B14F-4D97-AF65-F5344CB8AC3E}">
+        <p14:creationId xmlns:p14="http://schemas.microsoft.com/office/powerpoint/2010/main" val="834259301"/>
+      </p:ext>
+    </p:extLst>
+  </p:cSld>
+  <p:clrMapOvr>
+    <a:masterClrMapping/>
+  </p:clrMapOvr>
+</p:notes>
+</file>
+
+<file path=ppt/notesSlides/notesSlide11.xml><?xml version="1.0" encoding="utf-8"?>
+<p:notes xmlns:a="http://schemas.openxmlformats.org/drawingml/2006/main" xmlns:r="http://schemas.openxmlformats.org/officeDocument/2006/relationships" xmlns:p="http://schemas.openxmlformats.org/presentationml/2006/main">
+  <p:cSld>
+    <p:spTree>
+      <p:nvGrpSpPr>
+        <p:cNvPr id="1" name=""/>
+        <p:cNvGrpSpPr/>
+        <p:nvPr/>
+      </p:nvGrpSpPr>
+      <p:grpSpPr>
+        <a:xfrm>
+          <a:off x="0" y="0"/>
+          <a:ext cx="0" cy="0"/>
+          <a:chOff x="0" y="0"/>
+          <a:chExt cx="0" cy="0"/>
+        </a:xfrm>
+      </p:grpSpPr>
+      <p:sp>
+        <p:nvSpPr>
+          <p:cNvPr id="2" name="Slide Image Placeholder 1"/>
+          <p:cNvSpPr>
+            <a:spLocks noGrp="1" noRot="1" noChangeAspect="1"/>
+          </p:cNvSpPr>
+          <p:nvPr>
+            <p:ph type="sldImg"/>
+          </p:nvPr>
+        </p:nvSpPr>
+        <p:spPr>
+          <a:xfrm>
+            <a:off x="381000" y="685800"/>
+            <a:ext cx="6096000" cy="3429000"/>
+          </a:xfrm>
+        </p:spPr>
+      </p:sp>
+      <p:sp>
+        <p:nvSpPr>
+          <p:cNvPr id="3" name="Notes Placeholder 2"/>
+          <p:cNvSpPr>
+            <a:spLocks noGrp="1"/>
+          </p:cNvSpPr>
+          <p:nvPr>
+            <p:ph type="body" idx="1"/>
+          </p:nvPr>
+        </p:nvSpPr>
+        <p:spPr/>
+        <p:txBody>
+          <a:bodyPr/>
+          <a:lstStyle/>
+          <a:p>
+            <a:pPr marL="457200" marR="0" lvl="0" indent="-298450" algn="l" defTabSz="914400" rtl="0" eaLnBrk="1" fontAlgn="auto" latinLnBrk="0" hangingPunct="1">
+              <a:lnSpc>
+                <a:spcPct val="100000"/>
+              </a:lnSpc>
+              <a:spcBef>
+                <a:spcPts val="0"/>
+              </a:spcBef>
+              <a:spcAft>
+                <a:spcPts val="0"/>
+              </a:spcAft>
+              <a:buClr>
+                <a:srgbClr val="000000"/>
+              </a:buClr>
+              <a:buSzPts val="1100"/>
+              <a:buFont typeface="Arial"/>
+              <a:buChar char="●"/>
+              <a:tabLst/>
+              <a:defRPr/>
+            </a:pPr>
+            <a:r>
+              <a:rPr lang="en-ID" dirty="0">
+                <a:latin typeface="Economica" panose="020B0604020202020204" charset="0"/>
+              </a:rPr>
+              <a:t>https://github.com/ADENH/pweb-node-js</a:t>
+            </a:r>
+          </a:p>
+          <a:p>
+            <a:endParaRPr lang="en-ID" dirty="0"/>
+          </a:p>
+        </p:txBody>
+      </p:sp>
+    </p:spTree>
+    <p:extLst>
+      <p:ext uri="{BB962C8B-B14F-4D97-AF65-F5344CB8AC3E}">
+        <p14:creationId xmlns:p14="http://schemas.microsoft.com/office/powerpoint/2010/main" val="2702409824"/>
+      </p:ext>
+    </p:extLst>
+  </p:cSld>
+  <p:clrMapOvr>
+    <a:masterClrMapping/>
+  </p:clrMapOvr>
+</p:notes>
+</file>
+
 <file path=ppt/notesSlides/notesSlide2.xml><?xml version="1.0" encoding="utf-8"?>
 <p:notes xmlns:a="http://schemas.openxmlformats.org/drawingml/2006/main" xmlns:r="http://schemas.openxmlformats.org/officeDocument/2006/relationships" xmlns:p="http://schemas.openxmlformats.org/presentationml/2006/main">
   <p:cSld>
@@ -1694,6 +1865,75 @@
     <p:extLst>
       <p:ext uri="{BB962C8B-B14F-4D97-AF65-F5344CB8AC3E}">
         <p14:creationId xmlns:p14="http://schemas.microsoft.com/office/powerpoint/2010/main" val="3651445934"/>
+      </p:ext>
+    </p:extLst>
+  </p:cSld>
+  <p:clrMapOvr>
+    <a:masterClrMapping/>
+  </p:clrMapOvr>
+</p:notes>
+</file>
+
+<file path=ppt/notesSlides/notesSlide9.xml><?xml version="1.0" encoding="utf-8"?>
+<p:notes xmlns:a="http://schemas.openxmlformats.org/drawingml/2006/main" xmlns:r="http://schemas.openxmlformats.org/officeDocument/2006/relationships" xmlns:p="http://schemas.openxmlformats.org/presentationml/2006/main">
+  <p:cSld>
+    <p:spTree>
+      <p:nvGrpSpPr>
+        <p:cNvPr id="1" name=""/>
+        <p:cNvGrpSpPr/>
+        <p:nvPr/>
+      </p:nvGrpSpPr>
+      <p:grpSpPr>
+        <a:xfrm>
+          <a:off x="0" y="0"/>
+          <a:ext cx="0" cy="0"/>
+          <a:chOff x="0" y="0"/>
+          <a:chExt cx="0" cy="0"/>
+        </a:xfrm>
+      </p:grpSpPr>
+      <p:sp>
+        <p:nvSpPr>
+          <p:cNvPr id="2" name="Slide Image Placeholder 1"/>
+          <p:cNvSpPr>
+            <a:spLocks noGrp="1" noRot="1" noChangeAspect="1"/>
+          </p:cNvSpPr>
+          <p:nvPr>
+            <p:ph type="sldImg"/>
+          </p:nvPr>
+        </p:nvSpPr>
+        <p:spPr>
+          <a:xfrm>
+            <a:off x="381000" y="685800"/>
+            <a:ext cx="6096000" cy="3429000"/>
+          </a:xfrm>
+        </p:spPr>
+      </p:sp>
+      <p:sp>
+        <p:nvSpPr>
+          <p:cNvPr id="3" name="Notes Placeholder 2"/>
+          <p:cNvSpPr>
+            <a:spLocks noGrp="1"/>
+          </p:cNvSpPr>
+          <p:nvPr>
+            <p:ph type="body" idx="1"/>
+          </p:nvPr>
+        </p:nvSpPr>
+        <p:spPr/>
+        <p:txBody>
+          <a:bodyPr/>
+          <a:lstStyle/>
+          <a:p>
+            <a:r>
+              <a:rPr lang="en-ID" dirty="0"/>
+              <a:t>https://gist.github.com/ADENH/b01152152d3006e4dd4f9df404f69b8a</a:t>
+            </a:r>
+          </a:p>
+        </p:txBody>
+      </p:sp>
+    </p:spTree>
+    <p:extLst>
+      <p:ext uri="{BB962C8B-B14F-4D97-AF65-F5344CB8AC3E}">
+        <p14:creationId xmlns:p14="http://schemas.microsoft.com/office/powerpoint/2010/main" val="2872356015"/>
       </p:ext>
     </p:extLst>
   </p:cSld>
@@ -7352,6 +7592,1288 @@
 </p:sld>
 </file>
 
+<file path=ppt/slides/slide10.xml><?xml version="1.0" encoding="utf-8"?>
+<p:sld xmlns:a="http://schemas.openxmlformats.org/drawingml/2006/main" xmlns:r="http://schemas.openxmlformats.org/officeDocument/2006/relationships" xmlns:p="http://schemas.openxmlformats.org/presentationml/2006/main">
+  <p:cSld>
+    <p:spTree>
+      <p:nvGrpSpPr>
+        <p:cNvPr id="1" name=""/>
+        <p:cNvGrpSpPr/>
+        <p:nvPr/>
+      </p:nvGrpSpPr>
+      <p:grpSpPr>
+        <a:xfrm>
+          <a:off x="0" y="0"/>
+          <a:ext cx="0" cy="0"/>
+          <a:chOff x="0" y="0"/>
+          <a:chExt cx="0" cy="0"/>
+        </a:xfrm>
+      </p:grpSpPr>
+      <p:sp>
+        <p:nvSpPr>
+          <p:cNvPr id="2" name="Title 1">
+            <a:extLst>
+              <a:ext uri="{FF2B5EF4-FFF2-40B4-BE49-F238E27FC236}">
+                <a16:creationId xmlns:a16="http://schemas.microsoft.com/office/drawing/2014/main" id="{A3345137-4CA0-43C2-A318-CEDA8A19BCF2}"/>
+              </a:ext>
+            </a:extLst>
+          </p:cNvPr>
+          <p:cNvSpPr>
+            <a:spLocks noGrp="1"/>
+          </p:cNvSpPr>
+          <p:nvPr>
+            <p:ph type="title"/>
+          </p:nvPr>
+        </p:nvSpPr>
+        <p:spPr/>
+        <p:txBody>
+          <a:bodyPr/>
+          <a:lstStyle/>
+          <a:p>
+            <a:r>
+              <a:rPr lang="en-US" dirty="0"/>
+              <a:t>Database Connection using </a:t>
+            </a:r>
+            <a:r>
+              <a:rPr lang="en-US" dirty="0">
+                <a:solidFill>
+                  <a:srgbClr val="0A66D9"/>
+                </a:solidFill>
+              </a:rPr>
+              <a:t>ORM</a:t>
+            </a:r>
+            <a:endParaRPr lang="en-ID" dirty="0">
+              <a:solidFill>
+                <a:srgbClr val="0A66D9"/>
+              </a:solidFill>
+            </a:endParaRPr>
+          </a:p>
+        </p:txBody>
+      </p:sp>
+      <p:sp>
+        <p:nvSpPr>
+          <p:cNvPr id="3" name="Text Placeholder 2">
+            <a:extLst>
+              <a:ext uri="{FF2B5EF4-FFF2-40B4-BE49-F238E27FC236}">
+                <a16:creationId xmlns:a16="http://schemas.microsoft.com/office/drawing/2014/main" id="{F6536507-E2C8-E805-4D31-460EC633A550}"/>
+              </a:ext>
+            </a:extLst>
+          </p:cNvPr>
+          <p:cNvSpPr>
+            <a:spLocks noGrp="1"/>
+          </p:cNvSpPr>
+          <p:nvPr>
+            <p:ph type="body" idx="1"/>
+          </p:nvPr>
+        </p:nvSpPr>
+        <p:spPr>
+          <a:xfrm>
+            <a:off x="311700" y="1225225"/>
+            <a:ext cx="3970154" cy="3354000"/>
+          </a:xfrm>
+        </p:spPr>
+        <p:txBody>
+          <a:bodyPr>
+            <a:normAutofit/>
+          </a:bodyPr>
+          <a:lstStyle/>
+          <a:p>
+            <a:r>
+              <a:rPr lang="en-US" sz="2800" dirty="0" err="1">
+                <a:latin typeface="Economica" panose="020B0604020202020204" charset="0"/>
+              </a:rPr>
+              <a:t>Sequelize</a:t>
+            </a:r>
+            <a:endParaRPr lang="en-US" sz="2800" dirty="0">
+              <a:latin typeface="Economica" panose="020B0604020202020204" charset="0"/>
+            </a:endParaRPr>
+          </a:p>
+          <a:p>
+            <a:r>
+              <a:rPr lang="en-US" sz="2800" dirty="0">
+                <a:latin typeface="Economica" panose="020B0604020202020204" charset="0"/>
+              </a:rPr>
+              <a:t>Prisma</a:t>
+            </a:r>
+          </a:p>
+          <a:p>
+            <a:r>
+              <a:rPr lang="en-US" sz="2800" dirty="0" err="1">
+                <a:latin typeface="Economica" panose="020B0604020202020204" charset="0"/>
+              </a:rPr>
+              <a:t>TypeORM</a:t>
+            </a:r>
+            <a:endParaRPr lang="en-US" sz="2800" dirty="0">
+              <a:latin typeface="Economica" panose="020B0604020202020204" charset="0"/>
+            </a:endParaRPr>
+          </a:p>
+          <a:p>
+            <a:r>
+              <a:rPr lang="en-US" sz="2800" dirty="0" err="1">
+                <a:latin typeface="Economica" panose="020B0604020202020204" charset="0"/>
+              </a:rPr>
+              <a:t>LoopBack</a:t>
+            </a:r>
+            <a:endParaRPr lang="en-US" sz="2800" dirty="0">
+              <a:latin typeface="Economica" panose="020B0604020202020204" charset="0"/>
+            </a:endParaRPr>
+          </a:p>
+          <a:p>
+            <a:r>
+              <a:rPr lang="en-US" sz="2800" dirty="0" err="1">
+                <a:latin typeface="Economica" panose="020B0604020202020204" charset="0"/>
+              </a:rPr>
+              <a:t>RxDB</a:t>
+            </a:r>
+            <a:endParaRPr lang="en-US" sz="2800" dirty="0">
+              <a:latin typeface="Economica" panose="020B0604020202020204" charset="0"/>
+            </a:endParaRPr>
+          </a:p>
+          <a:p>
+            <a:r>
+              <a:rPr lang="en-US" sz="2800" dirty="0" err="1">
+                <a:latin typeface="Economica" panose="020B0604020202020204" charset="0"/>
+              </a:rPr>
+              <a:t>Mangoose</a:t>
+            </a:r>
+            <a:endParaRPr lang="en-US" sz="2800" dirty="0">
+              <a:latin typeface="Economica" panose="020B0604020202020204" charset="0"/>
+            </a:endParaRPr>
+          </a:p>
+          <a:p>
+            <a:pPr marL="114300" indent="0">
+              <a:buNone/>
+            </a:pPr>
+            <a:endParaRPr lang="en-ID" sz="2800" dirty="0">
+              <a:latin typeface="Economica" panose="020B0604020202020204" charset="0"/>
+            </a:endParaRPr>
+          </a:p>
+        </p:txBody>
+      </p:sp>
+      <p:sp>
+        <p:nvSpPr>
+          <p:cNvPr id="4" name="Text Placeholder 2">
+            <a:extLst>
+              <a:ext uri="{FF2B5EF4-FFF2-40B4-BE49-F238E27FC236}">
+                <a16:creationId xmlns:a16="http://schemas.microsoft.com/office/drawing/2014/main" id="{4E5BC7CF-EA04-6619-08A1-1431879E4ADB}"/>
+              </a:ext>
+            </a:extLst>
+          </p:cNvPr>
+          <p:cNvSpPr txBox="1">
+            <a:spLocks/>
+          </p:cNvSpPr>
+          <p:nvPr/>
+        </p:nvSpPr>
+        <p:spPr>
+          <a:xfrm>
+            <a:off x="4862148" y="1217796"/>
+            <a:ext cx="3970154" cy="3354000"/>
+          </a:xfrm>
+          <a:prstGeom prst="rect">
+            <a:avLst/>
+          </a:prstGeom>
+          <a:noFill/>
+          <a:ln>
+            <a:noFill/>
+          </a:ln>
+        </p:spPr>
+        <p:txBody>
+          <a:bodyPr spcFirstLastPara="1" wrap="square" lIns="91425" tIns="91425" rIns="91425" bIns="91425" anchor="t" anchorCtr="0">
+            <a:normAutofit/>
+          </a:bodyPr>
+          <a:lstStyle>
+            <a:defPPr marR="0" lvl="0" algn="l" rtl="0">
+              <a:lnSpc>
+                <a:spcPct val="100000"/>
+              </a:lnSpc>
+              <a:spcBef>
+                <a:spcPts val="0"/>
+              </a:spcBef>
+              <a:spcAft>
+                <a:spcPts val="0"/>
+              </a:spcAft>
+            </a:defPPr>
+            <a:lvl1pPr marL="457200" marR="0" lvl="0" indent="-342900" algn="l" rtl="0">
+              <a:lnSpc>
+                <a:spcPct val="115000"/>
+              </a:lnSpc>
+              <a:spcBef>
+                <a:spcPts val="0"/>
+              </a:spcBef>
+              <a:spcAft>
+                <a:spcPts val="0"/>
+              </a:spcAft>
+              <a:buClr>
+                <a:schemeClr val="dk1"/>
+              </a:buClr>
+              <a:buSzPts val="1800"/>
+              <a:buFont typeface="Open Sans"/>
+              <a:buChar char="●"/>
+              <a:defRPr sz="1800" b="0" i="0" u="none" strike="noStrike" cap="none">
+                <a:solidFill>
+                  <a:schemeClr val="dk1"/>
+                </a:solidFill>
+                <a:latin typeface="Open Sans"/>
+                <a:ea typeface="Open Sans"/>
+                <a:cs typeface="Open Sans"/>
+                <a:sym typeface="Open Sans"/>
+              </a:defRPr>
+            </a:lvl1pPr>
+            <a:lvl2pPr marL="914400" marR="0" lvl="1" indent="-317500" algn="l" rtl="0">
+              <a:lnSpc>
+                <a:spcPct val="115000"/>
+              </a:lnSpc>
+              <a:spcBef>
+                <a:spcPts val="0"/>
+              </a:spcBef>
+              <a:spcAft>
+                <a:spcPts val="0"/>
+              </a:spcAft>
+              <a:buClr>
+                <a:schemeClr val="dk1"/>
+              </a:buClr>
+              <a:buSzPts val="1400"/>
+              <a:buFont typeface="Open Sans"/>
+              <a:buChar char="○"/>
+              <a:defRPr sz="1400" b="0" i="0" u="none" strike="noStrike" cap="none">
+                <a:solidFill>
+                  <a:schemeClr val="dk1"/>
+                </a:solidFill>
+                <a:latin typeface="Open Sans"/>
+                <a:ea typeface="Open Sans"/>
+                <a:cs typeface="Open Sans"/>
+                <a:sym typeface="Open Sans"/>
+              </a:defRPr>
+            </a:lvl2pPr>
+            <a:lvl3pPr marL="1371600" marR="0" lvl="2" indent="-317500" algn="l" rtl="0">
+              <a:lnSpc>
+                <a:spcPct val="115000"/>
+              </a:lnSpc>
+              <a:spcBef>
+                <a:spcPts val="0"/>
+              </a:spcBef>
+              <a:spcAft>
+                <a:spcPts val="0"/>
+              </a:spcAft>
+              <a:buClr>
+                <a:schemeClr val="dk1"/>
+              </a:buClr>
+              <a:buSzPts val="1400"/>
+              <a:buFont typeface="Open Sans"/>
+              <a:buChar char="■"/>
+              <a:defRPr sz="1400" b="0" i="0" u="none" strike="noStrike" cap="none">
+                <a:solidFill>
+                  <a:schemeClr val="dk1"/>
+                </a:solidFill>
+                <a:latin typeface="Open Sans"/>
+                <a:ea typeface="Open Sans"/>
+                <a:cs typeface="Open Sans"/>
+                <a:sym typeface="Open Sans"/>
+              </a:defRPr>
+            </a:lvl3pPr>
+            <a:lvl4pPr marL="1828800" marR="0" lvl="3" indent="-317500" algn="l" rtl="0">
+              <a:lnSpc>
+                <a:spcPct val="115000"/>
+              </a:lnSpc>
+              <a:spcBef>
+                <a:spcPts val="0"/>
+              </a:spcBef>
+              <a:spcAft>
+                <a:spcPts val="0"/>
+              </a:spcAft>
+              <a:buClr>
+                <a:schemeClr val="dk1"/>
+              </a:buClr>
+              <a:buSzPts val="1400"/>
+              <a:buFont typeface="Open Sans"/>
+              <a:buChar char="●"/>
+              <a:defRPr sz="1400" b="0" i="0" u="none" strike="noStrike" cap="none">
+                <a:solidFill>
+                  <a:schemeClr val="dk1"/>
+                </a:solidFill>
+                <a:latin typeface="Open Sans"/>
+                <a:ea typeface="Open Sans"/>
+                <a:cs typeface="Open Sans"/>
+                <a:sym typeface="Open Sans"/>
+              </a:defRPr>
+            </a:lvl4pPr>
+            <a:lvl5pPr marL="2286000" marR="0" lvl="4" indent="-317500" algn="l" rtl="0">
+              <a:lnSpc>
+                <a:spcPct val="115000"/>
+              </a:lnSpc>
+              <a:spcBef>
+                <a:spcPts val="0"/>
+              </a:spcBef>
+              <a:spcAft>
+                <a:spcPts val="0"/>
+              </a:spcAft>
+              <a:buClr>
+                <a:schemeClr val="dk1"/>
+              </a:buClr>
+              <a:buSzPts val="1400"/>
+              <a:buFont typeface="Open Sans"/>
+              <a:buChar char="○"/>
+              <a:defRPr sz="1400" b="0" i="0" u="none" strike="noStrike" cap="none">
+                <a:solidFill>
+                  <a:schemeClr val="dk1"/>
+                </a:solidFill>
+                <a:latin typeface="Open Sans"/>
+                <a:ea typeface="Open Sans"/>
+                <a:cs typeface="Open Sans"/>
+                <a:sym typeface="Open Sans"/>
+              </a:defRPr>
+            </a:lvl5pPr>
+            <a:lvl6pPr marL="2743200" marR="0" lvl="5" indent="-317500" algn="l" rtl="0">
+              <a:lnSpc>
+                <a:spcPct val="115000"/>
+              </a:lnSpc>
+              <a:spcBef>
+                <a:spcPts val="0"/>
+              </a:spcBef>
+              <a:spcAft>
+                <a:spcPts val="0"/>
+              </a:spcAft>
+              <a:buClr>
+                <a:schemeClr val="dk1"/>
+              </a:buClr>
+              <a:buSzPts val="1400"/>
+              <a:buFont typeface="Open Sans"/>
+              <a:buChar char="■"/>
+              <a:defRPr sz="1400" b="0" i="0" u="none" strike="noStrike" cap="none">
+                <a:solidFill>
+                  <a:schemeClr val="dk1"/>
+                </a:solidFill>
+                <a:latin typeface="Open Sans"/>
+                <a:ea typeface="Open Sans"/>
+                <a:cs typeface="Open Sans"/>
+                <a:sym typeface="Open Sans"/>
+              </a:defRPr>
+            </a:lvl6pPr>
+            <a:lvl7pPr marL="3200400" marR="0" lvl="6" indent="-317500" algn="l" rtl="0">
+              <a:lnSpc>
+                <a:spcPct val="115000"/>
+              </a:lnSpc>
+              <a:spcBef>
+                <a:spcPts val="0"/>
+              </a:spcBef>
+              <a:spcAft>
+                <a:spcPts val="0"/>
+              </a:spcAft>
+              <a:buClr>
+                <a:schemeClr val="dk1"/>
+              </a:buClr>
+              <a:buSzPts val="1400"/>
+              <a:buFont typeface="Open Sans"/>
+              <a:buChar char="●"/>
+              <a:defRPr sz="1400" b="0" i="0" u="none" strike="noStrike" cap="none">
+                <a:solidFill>
+                  <a:schemeClr val="dk1"/>
+                </a:solidFill>
+                <a:latin typeface="Open Sans"/>
+                <a:ea typeface="Open Sans"/>
+                <a:cs typeface="Open Sans"/>
+                <a:sym typeface="Open Sans"/>
+              </a:defRPr>
+            </a:lvl7pPr>
+            <a:lvl8pPr marL="3657600" marR="0" lvl="7" indent="-317500" algn="l" rtl="0">
+              <a:lnSpc>
+                <a:spcPct val="115000"/>
+              </a:lnSpc>
+              <a:spcBef>
+                <a:spcPts val="0"/>
+              </a:spcBef>
+              <a:spcAft>
+                <a:spcPts val="0"/>
+              </a:spcAft>
+              <a:buClr>
+                <a:schemeClr val="dk1"/>
+              </a:buClr>
+              <a:buSzPts val="1400"/>
+              <a:buFont typeface="Open Sans"/>
+              <a:buChar char="○"/>
+              <a:defRPr sz="1400" b="0" i="0" u="none" strike="noStrike" cap="none">
+                <a:solidFill>
+                  <a:schemeClr val="dk1"/>
+                </a:solidFill>
+                <a:latin typeface="Open Sans"/>
+                <a:ea typeface="Open Sans"/>
+                <a:cs typeface="Open Sans"/>
+                <a:sym typeface="Open Sans"/>
+              </a:defRPr>
+            </a:lvl8pPr>
+            <a:lvl9pPr marL="4114800" marR="0" lvl="8" indent="-317500" algn="l" rtl="0">
+              <a:lnSpc>
+                <a:spcPct val="115000"/>
+              </a:lnSpc>
+              <a:spcBef>
+                <a:spcPts val="0"/>
+              </a:spcBef>
+              <a:spcAft>
+                <a:spcPts val="0"/>
+              </a:spcAft>
+              <a:buClr>
+                <a:schemeClr val="dk1"/>
+              </a:buClr>
+              <a:buSzPts val="1400"/>
+              <a:buFont typeface="Open Sans"/>
+              <a:buChar char="■"/>
+              <a:defRPr sz="1400" b="0" i="0" u="none" strike="noStrike" cap="none">
+                <a:solidFill>
+                  <a:schemeClr val="dk1"/>
+                </a:solidFill>
+                <a:latin typeface="Open Sans"/>
+                <a:ea typeface="Open Sans"/>
+                <a:cs typeface="Open Sans"/>
+                <a:sym typeface="Open Sans"/>
+              </a:defRPr>
+            </a:lvl9pPr>
+          </a:lstStyle>
+          <a:p>
+            <a:r>
+              <a:rPr lang="en-US" sz="2800" dirty="0">
+                <a:latin typeface="Economica" panose="020B0604020202020204" charset="0"/>
+              </a:rPr>
+              <a:t>Waterline</a:t>
+            </a:r>
+          </a:p>
+          <a:p>
+            <a:r>
+              <a:rPr lang="en-US" sz="2800" dirty="0" err="1">
+                <a:latin typeface="Economica" panose="020B0604020202020204" charset="0"/>
+              </a:rPr>
+              <a:t>CaminteJs</a:t>
+            </a:r>
+            <a:endParaRPr lang="en-US" sz="2800" dirty="0">
+              <a:latin typeface="Economica" panose="020B0604020202020204" charset="0"/>
+            </a:endParaRPr>
+          </a:p>
+          <a:p>
+            <a:r>
+              <a:rPr lang="en-US" sz="2800" dirty="0" err="1">
+                <a:latin typeface="Economica" panose="020B0604020202020204" charset="0"/>
+              </a:rPr>
+              <a:t>BookShelf</a:t>
+            </a:r>
+            <a:endParaRPr lang="en-US" sz="2800" dirty="0">
+              <a:latin typeface="Economica" panose="020B0604020202020204" charset="0"/>
+            </a:endParaRPr>
+          </a:p>
+          <a:p>
+            <a:r>
+              <a:rPr lang="en-US" sz="2800" dirty="0">
+                <a:latin typeface="Economica" panose="020B0604020202020204" charset="0"/>
+              </a:rPr>
+              <a:t>Objection.js</a:t>
+            </a:r>
+          </a:p>
+          <a:p>
+            <a:r>
+              <a:rPr lang="en-US" sz="2800" dirty="0">
+                <a:latin typeface="Economica" panose="020B0604020202020204" charset="0"/>
+              </a:rPr>
+              <a:t>Node-ORM2</a:t>
+            </a:r>
+          </a:p>
+          <a:p>
+            <a:r>
+              <a:rPr lang="en-US" sz="2800" dirty="0" err="1">
+                <a:latin typeface="Economica" panose="020B0604020202020204" charset="0"/>
+              </a:rPr>
+              <a:t>MikroORM</a:t>
+            </a:r>
+            <a:endParaRPr lang="en-ID" sz="2800" dirty="0">
+              <a:latin typeface="Economica" panose="020B0604020202020204" charset="0"/>
+            </a:endParaRPr>
+          </a:p>
+        </p:txBody>
+      </p:sp>
+    </p:spTree>
+    <p:extLst>
+      <p:ext uri="{BB962C8B-B14F-4D97-AF65-F5344CB8AC3E}">
+        <p14:creationId xmlns:p14="http://schemas.microsoft.com/office/powerpoint/2010/main" val="3677726519"/>
+      </p:ext>
+    </p:extLst>
+  </p:cSld>
+  <p:clrMapOvr>
+    <a:masterClrMapping/>
+  </p:clrMapOvr>
+</p:sld>
+</file>
+
+<file path=ppt/slides/slide11.xml><?xml version="1.0" encoding="utf-8"?>
+<p:sld xmlns:a="http://schemas.openxmlformats.org/drawingml/2006/main" xmlns:r="http://schemas.openxmlformats.org/officeDocument/2006/relationships" xmlns:p="http://schemas.openxmlformats.org/presentationml/2006/main">
+  <p:cSld>
+    <p:spTree>
+      <p:nvGrpSpPr>
+        <p:cNvPr id="1" name=""/>
+        <p:cNvGrpSpPr/>
+        <p:nvPr/>
+      </p:nvGrpSpPr>
+      <p:grpSpPr>
+        <a:xfrm>
+          <a:off x="0" y="0"/>
+          <a:ext cx="0" cy="0"/>
+          <a:chOff x="0" y="0"/>
+          <a:chExt cx="0" cy="0"/>
+        </a:xfrm>
+      </p:grpSpPr>
+      <p:sp>
+        <p:nvSpPr>
+          <p:cNvPr id="2" name="Title 1">
+            <a:extLst>
+              <a:ext uri="{FF2B5EF4-FFF2-40B4-BE49-F238E27FC236}">
+                <a16:creationId xmlns:a16="http://schemas.microsoft.com/office/drawing/2014/main" id="{7911FA3C-12B1-AE0B-2A97-0A61D59CBAC3}"/>
+              </a:ext>
+            </a:extLst>
+          </p:cNvPr>
+          <p:cNvSpPr>
+            <a:spLocks noGrp="1"/>
+          </p:cNvSpPr>
+          <p:nvPr>
+            <p:ph type="title"/>
+          </p:nvPr>
+        </p:nvSpPr>
+        <p:spPr/>
+        <p:txBody>
+          <a:bodyPr/>
+          <a:lstStyle/>
+          <a:p>
+            <a:r>
+              <a:rPr lang="en-US" dirty="0"/>
+              <a:t>Command</a:t>
+            </a:r>
+            <a:endParaRPr lang="en-ID" dirty="0"/>
+          </a:p>
+        </p:txBody>
+      </p:sp>
+      <p:sp>
+        <p:nvSpPr>
+          <p:cNvPr id="3" name="Text Placeholder 2">
+            <a:extLst>
+              <a:ext uri="{FF2B5EF4-FFF2-40B4-BE49-F238E27FC236}">
+                <a16:creationId xmlns:a16="http://schemas.microsoft.com/office/drawing/2014/main" id="{466AAAD2-AE86-F6A0-240B-C163ACE1FBF8}"/>
+              </a:ext>
+            </a:extLst>
+          </p:cNvPr>
+          <p:cNvSpPr>
+            <a:spLocks noGrp="1"/>
+          </p:cNvSpPr>
+          <p:nvPr>
+            <p:ph type="body" idx="1"/>
+          </p:nvPr>
+        </p:nvSpPr>
+        <p:spPr/>
+        <p:txBody>
+          <a:bodyPr/>
+          <a:lstStyle/>
+          <a:p>
+            <a:r>
+              <a:rPr lang="en-ID" b="0" i="0" dirty="0">
+                <a:solidFill>
+                  <a:schemeClr val="tx1"/>
+                </a:solidFill>
+                <a:effectLst/>
+                <a:latin typeface="Economica" panose="020B0604020202020204" charset="0"/>
+              </a:rPr>
+              <a:t>Using </a:t>
+            </a:r>
+            <a:r>
+              <a:rPr lang="en-ID" b="0" i="0" dirty="0" err="1">
+                <a:solidFill>
+                  <a:schemeClr val="tx1"/>
+                </a:solidFill>
+                <a:effectLst/>
+                <a:latin typeface="Economica" panose="020B0604020202020204" charset="0"/>
+              </a:rPr>
+              <a:t>Sequelize</a:t>
+            </a:r>
+            <a:endParaRPr lang="en-ID" b="0" i="0" dirty="0">
+              <a:solidFill>
+                <a:schemeClr val="tx1"/>
+              </a:solidFill>
+              <a:effectLst/>
+              <a:latin typeface="Economica" panose="020B0604020202020204" charset="0"/>
+            </a:endParaRPr>
+          </a:p>
+          <a:p>
+            <a:pPr marL="114300" indent="0">
+              <a:buNone/>
+            </a:pPr>
+            <a:r>
+              <a:rPr lang="en-ID" b="0" i="0" dirty="0" err="1">
+                <a:solidFill>
+                  <a:schemeClr val="tx1"/>
+                </a:solidFill>
+                <a:effectLst/>
+                <a:latin typeface="Economica" panose="020B0604020202020204" charset="0"/>
+              </a:rPr>
+              <a:t>npm</a:t>
+            </a:r>
+            <a:r>
+              <a:rPr lang="en-ID" b="0" i="0" dirty="0">
+                <a:solidFill>
+                  <a:schemeClr val="tx1"/>
+                </a:solidFill>
+                <a:effectLst/>
+                <a:latin typeface="Economica" panose="020B0604020202020204" charset="0"/>
+              </a:rPr>
+              <a:t> install </a:t>
+            </a:r>
+            <a:r>
+              <a:rPr lang="en-ID" b="0" i="0" dirty="0" err="1">
+                <a:solidFill>
+                  <a:schemeClr val="tx1"/>
+                </a:solidFill>
+                <a:effectLst/>
+                <a:latin typeface="Economica" panose="020B0604020202020204" charset="0"/>
+              </a:rPr>
+              <a:t>sequelize</a:t>
+            </a:r>
+            <a:r>
+              <a:rPr lang="en-ID" b="0" i="0" dirty="0">
+                <a:solidFill>
+                  <a:schemeClr val="tx1"/>
+                </a:solidFill>
+                <a:effectLst/>
+                <a:latin typeface="Economica" panose="020B0604020202020204" charset="0"/>
+              </a:rPr>
+              <a:t> mysql2 -&gt; support async/await</a:t>
+            </a:r>
+          </a:p>
+          <a:p>
+            <a:pPr marL="114300" indent="0">
+              <a:buNone/>
+            </a:pPr>
+            <a:endParaRPr lang="en-ID" dirty="0">
+              <a:solidFill>
+                <a:schemeClr val="tx1"/>
+              </a:solidFill>
+              <a:latin typeface="Economica" panose="020B0604020202020204" charset="0"/>
+            </a:endParaRPr>
+          </a:p>
+          <a:p>
+            <a:r>
+              <a:rPr lang="en-ID" dirty="0">
+                <a:solidFill>
+                  <a:schemeClr val="tx1"/>
+                </a:solidFill>
+                <a:latin typeface="Economica" panose="020B0604020202020204" charset="0"/>
+              </a:rPr>
+              <a:t>Using Prisma</a:t>
+            </a:r>
+          </a:p>
+          <a:p>
+            <a:pPr marL="114300" indent="0">
+              <a:buNone/>
+            </a:pPr>
+            <a:r>
+              <a:rPr lang="en-ID" dirty="0" err="1">
+                <a:solidFill>
+                  <a:schemeClr val="tx1"/>
+                </a:solidFill>
+                <a:latin typeface="Economica" panose="020B0604020202020204" charset="0"/>
+              </a:rPr>
+              <a:t>npm</a:t>
+            </a:r>
+            <a:r>
+              <a:rPr lang="en-ID" dirty="0">
+                <a:solidFill>
+                  <a:schemeClr val="tx1"/>
+                </a:solidFill>
+                <a:latin typeface="Economica" panose="020B0604020202020204" charset="0"/>
+              </a:rPr>
+              <a:t> install -g </a:t>
+            </a:r>
+            <a:r>
+              <a:rPr lang="en-ID" dirty="0" err="1">
+                <a:solidFill>
+                  <a:schemeClr val="tx1"/>
+                </a:solidFill>
+                <a:latin typeface="Economica" panose="020B0604020202020204" charset="0"/>
+              </a:rPr>
+              <a:t>prisma</a:t>
+            </a:r>
+            <a:endParaRPr lang="en-ID" dirty="0">
+              <a:solidFill>
+                <a:schemeClr val="tx1"/>
+              </a:solidFill>
+              <a:latin typeface="Economica" panose="020B0604020202020204" charset="0"/>
+            </a:endParaRPr>
+          </a:p>
+          <a:p>
+            <a:pPr marL="114300" indent="0">
+              <a:buNone/>
+            </a:pPr>
+            <a:r>
+              <a:rPr lang="en-ID" dirty="0" err="1">
+                <a:solidFill>
+                  <a:schemeClr val="tx1"/>
+                </a:solidFill>
+                <a:latin typeface="Economica" panose="020B0604020202020204" charset="0"/>
+              </a:rPr>
+              <a:t>prisma</a:t>
+            </a:r>
+            <a:r>
+              <a:rPr lang="en-ID" dirty="0">
+                <a:solidFill>
+                  <a:schemeClr val="tx1"/>
+                </a:solidFill>
+                <a:latin typeface="Economica" panose="020B0604020202020204" charset="0"/>
+              </a:rPr>
+              <a:t> </a:t>
+            </a:r>
+            <a:r>
+              <a:rPr lang="en-ID" dirty="0" err="1">
+                <a:solidFill>
+                  <a:schemeClr val="tx1"/>
+                </a:solidFill>
+                <a:latin typeface="Economica" panose="020B0604020202020204" charset="0"/>
+              </a:rPr>
+              <a:t>init</a:t>
+            </a:r>
+            <a:endParaRPr lang="en-ID" dirty="0">
+              <a:solidFill>
+                <a:schemeClr val="tx1"/>
+              </a:solidFill>
+              <a:latin typeface="Economica" panose="020B0604020202020204" charset="0"/>
+            </a:endParaRPr>
+          </a:p>
+          <a:p>
+            <a:pPr marL="114300" indent="0">
+              <a:buNone/>
+            </a:pPr>
+            <a:r>
+              <a:rPr lang="en-ID" dirty="0" err="1">
+                <a:solidFill>
+                  <a:schemeClr val="tx1"/>
+                </a:solidFill>
+                <a:latin typeface="Economica" panose="020B0604020202020204" charset="0"/>
+              </a:rPr>
+              <a:t>prisma</a:t>
+            </a:r>
+            <a:r>
+              <a:rPr lang="en-ID" dirty="0">
+                <a:solidFill>
+                  <a:schemeClr val="tx1"/>
+                </a:solidFill>
+                <a:latin typeface="Economica" panose="020B0604020202020204" charset="0"/>
+              </a:rPr>
+              <a:t> generate</a:t>
+            </a:r>
+          </a:p>
+          <a:p>
+            <a:pPr marL="114300" indent="0">
+              <a:buNone/>
+            </a:pPr>
+            <a:endParaRPr lang="en-ID" dirty="0">
+              <a:solidFill>
+                <a:schemeClr val="tx1"/>
+              </a:solidFill>
+              <a:latin typeface="Economica" panose="020B0604020202020204" charset="0"/>
+            </a:endParaRPr>
+          </a:p>
+        </p:txBody>
+      </p:sp>
+    </p:spTree>
+    <p:extLst>
+      <p:ext uri="{BB962C8B-B14F-4D97-AF65-F5344CB8AC3E}">
+        <p14:creationId xmlns:p14="http://schemas.microsoft.com/office/powerpoint/2010/main" val="3520442940"/>
+      </p:ext>
+    </p:extLst>
+  </p:cSld>
+  <p:clrMapOvr>
+    <a:masterClrMapping/>
+  </p:clrMapOvr>
+</p:sld>
+</file>
+
+<file path=ppt/slides/slide12.xml><?xml version="1.0" encoding="utf-8"?>
+<p:sld xmlns:a="http://schemas.openxmlformats.org/drawingml/2006/main" xmlns:r="http://schemas.openxmlformats.org/officeDocument/2006/relationships" xmlns:p="http://schemas.openxmlformats.org/presentationml/2006/main">
+  <p:cSld>
+    <p:spTree>
+      <p:nvGrpSpPr>
+        <p:cNvPr id="1" name=""/>
+        <p:cNvGrpSpPr/>
+        <p:nvPr/>
+      </p:nvGrpSpPr>
+      <p:grpSpPr>
+        <a:xfrm>
+          <a:off x="0" y="0"/>
+          <a:ext cx="0" cy="0"/>
+          <a:chOff x="0" y="0"/>
+          <a:chExt cx="0" cy="0"/>
+        </a:xfrm>
+      </p:grpSpPr>
+      <p:sp>
+        <p:nvSpPr>
+          <p:cNvPr id="2" name="Title 1">
+            <a:extLst>
+              <a:ext uri="{FF2B5EF4-FFF2-40B4-BE49-F238E27FC236}">
+                <a16:creationId xmlns:a16="http://schemas.microsoft.com/office/drawing/2014/main" id="{0D61A3A8-3A94-1929-0E79-CA1D9456E805}"/>
+              </a:ext>
+            </a:extLst>
+          </p:cNvPr>
+          <p:cNvSpPr>
+            <a:spLocks noGrp="1"/>
+          </p:cNvSpPr>
+          <p:nvPr>
+            <p:ph type="title"/>
+          </p:nvPr>
+        </p:nvSpPr>
+        <p:spPr/>
+        <p:txBody>
+          <a:bodyPr/>
+          <a:lstStyle/>
+          <a:p>
+            <a:r>
+              <a:rPr lang="en-ID" dirty="0"/>
+              <a:t>Establishing </a:t>
+            </a:r>
+            <a:r>
+              <a:rPr lang="en-ID" dirty="0">
+                <a:solidFill>
+                  <a:srgbClr val="0A66D9"/>
+                </a:solidFill>
+              </a:rPr>
+              <a:t>Database Connection with ORM</a:t>
+            </a:r>
+            <a:endParaRPr lang="en-ID" dirty="0"/>
+          </a:p>
+        </p:txBody>
+      </p:sp>
+      <p:sp>
+        <p:nvSpPr>
+          <p:cNvPr id="3" name="Text Placeholder 2">
+            <a:extLst>
+              <a:ext uri="{FF2B5EF4-FFF2-40B4-BE49-F238E27FC236}">
+                <a16:creationId xmlns:a16="http://schemas.microsoft.com/office/drawing/2014/main" id="{C2249563-763E-195A-EFA7-7D25D4A4E19B}"/>
+              </a:ext>
+            </a:extLst>
+          </p:cNvPr>
+          <p:cNvSpPr>
+            <a:spLocks noGrp="1"/>
+          </p:cNvSpPr>
+          <p:nvPr>
+            <p:ph type="body" idx="1"/>
+          </p:nvPr>
+        </p:nvSpPr>
+        <p:spPr/>
+        <p:txBody>
+          <a:bodyPr/>
+          <a:lstStyle/>
+          <a:p>
+            <a:pPr marL="114300" indent="0">
+              <a:buNone/>
+            </a:pPr>
+            <a:endParaRPr lang="en-ID" dirty="0"/>
+          </a:p>
+        </p:txBody>
+      </p:sp>
+      <p:pic>
+        <p:nvPicPr>
+          <p:cNvPr id="5" name="Picture 4">
+            <a:extLst>
+              <a:ext uri="{FF2B5EF4-FFF2-40B4-BE49-F238E27FC236}">
+                <a16:creationId xmlns:a16="http://schemas.microsoft.com/office/drawing/2014/main" id="{9B593B47-62BB-CB6D-F55E-FBD052ABE3C1}"/>
+              </a:ext>
+            </a:extLst>
+          </p:cNvPr>
+          <p:cNvPicPr>
+            <a:picLocks noChangeAspect="1"/>
+          </p:cNvPicPr>
+          <p:nvPr/>
+        </p:nvPicPr>
+        <p:blipFill>
+          <a:blip r:embed="rId3"/>
+          <a:stretch>
+            <a:fillRect/>
+          </a:stretch>
+        </p:blipFill>
+        <p:spPr>
+          <a:xfrm>
+            <a:off x="733732" y="1554672"/>
+            <a:ext cx="2857500" cy="2857500"/>
+          </a:xfrm>
+          <a:prstGeom prst="rect">
+            <a:avLst/>
+          </a:prstGeom>
+        </p:spPr>
+      </p:pic>
+      <p:pic>
+        <p:nvPicPr>
+          <p:cNvPr id="7" name="Picture 6">
+            <a:extLst>
+              <a:ext uri="{FF2B5EF4-FFF2-40B4-BE49-F238E27FC236}">
+                <a16:creationId xmlns:a16="http://schemas.microsoft.com/office/drawing/2014/main" id="{7A13D33F-3921-CF7C-F88D-95DA5C10E2C4}"/>
+              </a:ext>
+            </a:extLst>
+          </p:cNvPr>
+          <p:cNvPicPr>
+            <a:picLocks noChangeAspect="1"/>
+          </p:cNvPicPr>
+          <p:nvPr/>
+        </p:nvPicPr>
+        <p:blipFill>
+          <a:blip r:embed="rId4"/>
+          <a:stretch>
+            <a:fillRect/>
+          </a:stretch>
+        </p:blipFill>
+        <p:spPr>
+          <a:xfrm>
+            <a:off x="5178667" y="1225225"/>
+            <a:ext cx="3565709" cy="3292233"/>
+          </a:xfrm>
+          <a:prstGeom prst="rect">
+            <a:avLst/>
+          </a:prstGeom>
+        </p:spPr>
+      </p:pic>
+    </p:spTree>
+    <p:extLst>
+      <p:ext uri="{BB962C8B-B14F-4D97-AF65-F5344CB8AC3E}">
+        <p14:creationId xmlns:p14="http://schemas.microsoft.com/office/powerpoint/2010/main" val="2941469563"/>
+      </p:ext>
+    </p:extLst>
+  </p:cSld>
+  <p:clrMapOvr>
+    <a:masterClrMapping/>
+  </p:clrMapOvr>
+</p:sld>
+</file>
+
+<file path=ppt/slides/slide13.xml><?xml version="1.0" encoding="utf-8"?>
+<p:sld xmlns:a="http://schemas.openxmlformats.org/drawingml/2006/main" xmlns:r="http://schemas.openxmlformats.org/officeDocument/2006/relationships" xmlns:p="http://schemas.openxmlformats.org/presentationml/2006/main">
+  <p:cSld>
+    <p:spTree>
+      <p:nvGrpSpPr>
+        <p:cNvPr id="1" name=""/>
+        <p:cNvGrpSpPr/>
+        <p:nvPr/>
+      </p:nvGrpSpPr>
+      <p:grpSpPr>
+        <a:xfrm>
+          <a:off x="0" y="0"/>
+          <a:ext cx="0" cy="0"/>
+          <a:chOff x="0" y="0"/>
+          <a:chExt cx="0" cy="0"/>
+        </a:xfrm>
+      </p:grpSpPr>
+      <p:sp>
+        <p:nvSpPr>
+          <p:cNvPr id="2" name="Title 1">
+            <a:extLst>
+              <a:ext uri="{FF2B5EF4-FFF2-40B4-BE49-F238E27FC236}">
+                <a16:creationId xmlns:a16="http://schemas.microsoft.com/office/drawing/2014/main" id="{89A2AF8D-8574-C6F3-471F-1E09EC4EEBA0}"/>
+              </a:ext>
+            </a:extLst>
+          </p:cNvPr>
+          <p:cNvSpPr>
+            <a:spLocks noGrp="1"/>
+          </p:cNvSpPr>
+          <p:nvPr>
+            <p:ph type="title"/>
+          </p:nvPr>
+        </p:nvSpPr>
+        <p:spPr>
+          <a:xfrm>
+            <a:off x="311700" y="2156100"/>
+            <a:ext cx="8520600" cy="831300"/>
+          </a:xfrm>
+        </p:spPr>
+        <p:txBody>
+          <a:bodyPr/>
+          <a:lstStyle/>
+          <a:p>
+            <a:pPr algn="ctr"/>
+            <a:r>
+              <a:rPr lang="en-US" dirty="0"/>
+              <a:t>Implementation</a:t>
+            </a:r>
+            <a:endParaRPr lang="en-ID" dirty="0"/>
+          </a:p>
+        </p:txBody>
+      </p:sp>
+    </p:spTree>
+    <p:extLst>
+      <p:ext uri="{BB962C8B-B14F-4D97-AF65-F5344CB8AC3E}">
+        <p14:creationId xmlns:p14="http://schemas.microsoft.com/office/powerpoint/2010/main" val="1605342325"/>
+      </p:ext>
+    </p:extLst>
+  </p:cSld>
+  <p:clrMapOvr>
+    <a:masterClrMapping/>
+  </p:clrMapOvr>
+</p:sld>
+</file>
+
+<file path=ppt/slides/slide14.xml><?xml version="1.0" encoding="utf-8"?>
+<p:sld xmlns:a="http://schemas.openxmlformats.org/drawingml/2006/main" xmlns:r="http://schemas.openxmlformats.org/officeDocument/2006/relationships" xmlns:p="http://schemas.openxmlformats.org/presentationml/2006/main">
+  <p:cSld>
+    <p:spTree>
+      <p:nvGrpSpPr>
+        <p:cNvPr id="1" name=""/>
+        <p:cNvGrpSpPr/>
+        <p:nvPr/>
+      </p:nvGrpSpPr>
+      <p:grpSpPr>
+        <a:xfrm>
+          <a:off x="0" y="0"/>
+          <a:ext cx="0" cy="0"/>
+          <a:chOff x="0" y="0"/>
+          <a:chExt cx="0" cy="0"/>
+        </a:xfrm>
+      </p:grpSpPr>
+      <p:sp>
+        <p:nvSpPr>
+          <p:cNvPr id="2" name="Title 1">
+            <a:extLst>
+              <a:ext uri="{FF2B5EF4-FFF2-40B4-BE49-F238E27FC236}">
+                <a16:creationId xmlns:a16="http://schemas.microsoft.com/office/drawing/2014/main" id="{ECB82C99-F8C4-8039-653D-ADD9DBF356DE}"/>
+              </a:ext>
+            </a:extLst>
+          </p:cNvPr>
+          <p:cNvSpPr>
+            <a:spLocks noGrp="1"/>
+          </p:cNvSpPr>
+          <p:nvPr>
+            <p:ph type="title"/>
+          </p:nvPr>
+        </p:nvSpPr>
+        <p:spPr>
+          <a:xfrm>
+            <a:off x="311700" y="2156100"/>
+            <a:ext cx="8520600" cy="831300"/>
+          </a:xfrm>
+        </p:spPr>
+        <p:txBody>
+          <a:bodyPr/>
+          <a:lstStyle/>
+          <a:p>
+            <a:pPr algn="ctr"/>
+            <a:r>
+              <a:rPr lang="en-US" dirty="0"/>
+              <a:t>Quiz</a:t>
+            </a:r>
+            <a:endParaRPr lang="en-ID" dirty="0"/>
+          </a:p>
+        </p:txBody>
+      </p:sp>
+    </p:spTree>
+    <p:extLst>
+      <p:ext uri="{BB962C8B-B14F-4D97-AF65-F5344CB8AC3E}">
+        <p14:creationId xmlns:p14="http://schemas.microsoft.com/office/powerpoint/2010/main" val="2995484712"/>
+      </p:ext>
+    </p:extLst>
+  </p:cSld>
+  <p:clrMapOvr>
+    <a:masterClrMapping/>
+  </p:clrMapOvr>
+</p:sld>
+</file>
+
+<file path=ppt/slides/slide15.xml><?xml version="1.0" encoding="utf-8"?>
+<p:sld xmlns:a="http://schemas.openxmlformats.org/drawingml/2006/main" xmlns:r="http://schemas.openxmlformats.org/officeDocument/2006/relationships" xmlns:p="http://schemas.openxmlformats.org/presentationml/2006/main">
+  <p:cSld>
+    <p:spTree>
+      <p:nvGrpSpPr>
+        <p:cNvPr id="1" name=""/>
+        <p:cNvGrpSpPr/>
+        <p:nvPr/>
+      </p:nvGrpSpPr>
+      <p:grpSpPr>
+        <a:xfrm>
+          <a:off x="0" y="0"/>
+          <a:ext cx="0" cy="0"/>
+          <a:chOff x="0" y="0"/>
+          <a:chExt cx="0" cy="0"/>
+        </a:xfrm>
+      </p:grpSpPr>
+      <p:sp>
+        <p:nvSpPr>
+          <p:cNvPr id="3" name="Text Placeholder 2">
+            <a:extLst>
+              <a:ext uri="{FF2B5EF4-FFF2-40B4-BE49-F238E27FC236}">
+                <a16:creationId xmlns:a16="http://schemas.microsoft.com/office/drawing/2014/main" id="{E3897281-988F-9F3B-08CA-DE11F8990683}"/>
+              </a:ext>
+            </a:extLst>
+          </p:cNvPr>
+          <p:cNvSpPr>
+            <a:spLocks noGrp="1"/>
+          </p:cNvSpPr>
+          <p:nvPr>
+            <p:ph type="body" idx="1"/>
+          </p:nvPr>
+        </p:nvSpPr>
+        <p:spPr>
+          <a:xfrm>
+            <a:off x="311700" y="2221605"/>
+            <a:ext cx="8520600" cy="700290"/>
+          </a:xfrm>
+        </p:spPr>
+        <p:txBody>
+          <a:bodyPr/>
+          <a:lstStyle/>
+          <a:p>
+            <a:pPr marL="114300" indent="0" algn="ctr">
+              <a:buNone/>
+            </a:pPr>
+            <a:r>
+              <a:rPr lang="en-ID" dirty="0">
+                <a:latin typeface="Economica" panose="020B0604020202020204" charset="0"/>
+              </a:rPr>
+              <a:t>https://github.com/ADENH/pweb-node-js</a:t>
+            </a:r>
+          </a:p>
+        </p:txBody>
+      </p:sp>
+    </p:spTree>
+    <p:extLst>
+      <p:ext uri="{BB962C8B-B14F-4D97-AF65-F5344CB8AC3E}">
+        <p14:creationId xmlns:p14="http://schemas.microsoft.com/office/powerpoint/2010/main" val="1817461913"/>
+      </p:ext>
+    </p:extLst>
+  </p:cSld>
+  <p:clrMapOvr>
+    <a:masterClrMapping/>
+  </p:clrMapOvr>
+</p:sld>
+</file>
+
+<file path=ppt/slides/slide16.xml><?xml version="1.0" encoding="utf-8"?>
+<p:sld xmlns:a="http://schemas.openxmlformats.org/drawingml/2006/main" xmlns:r="http://schemas.openxmlformats.org/officeDocument/2006/relationships" xmlns:p="http://schemas.openxmlformats.org/presentationml/2006/main">
+  <p:cSld>
+    <p:spTree>
+      <p:nvGrpSpPr>
+        <p:cNvPr id="1" name=""/>
+        <p:cNvGrpSpPr/>
+        <p:nvPr/>
+      </p:nvGrpSpPr>
+      <p:grpSpPr>
+        <a:xfrm>
+          <a:off x="0" y="0"/>
+          <a:ext cx="0" cy="0"/>
+          <a:chOff x="0" y="0"/>
+          <a:chExt cx="0" cy="0"/>
+        </a:xfrm>
+      </p:grpSpPr>
+      <p:sp>
+        <p:nvSpPr>
+          <p:cNvPr id="2" name="Title 1">
+            <a:extLst>
+              <a:ext uri="{FF2B5EF4-FFF2-40B4-BE49-F238E27FC236}">
+                <a16:creationId xmlns:a16="http://schemas.microsoft.com/office/drawing/2014/main" id="{A615EC88-E9E0-1060-D03B-A756EF3A233E}"/>
+              </a:ext>
+            </a:extLst>
+          </p:cNvPr>
+          <p:cNvSpPr>
+            <a:spLocks noGrp="1"/>
+          </p:cNvSpPr>
+          <p:nvPr>
+            <p:ph type="title"/>
+          </p:nvPr>
+        </p:nvSpPr>
+        <p:spPr>
+          <a:xfrm>
+            <a:off x="311700" y="2156100"/>
+            <a:ext cx="8520600" cy="831300"/>
+          </a:xfrm>
+        </p:spPr>
+        <p:txBody>
+          <a:bodyPr/>
+          <a:lstStyle/>
+          <a:p>
+            <a:pPr algn="ctr"/>
+            <a:r>
+              <a:rPr lang="en-US" dirty="0"/>
+              <a:t>Discussion</a:t>
+            </a:r>
+            <a:endParaRPr lang="en-ID" dirty="0"/>
+          </a:p>
+        </p:txBody>
+      </p:sp>
+    </p:spTree>
+    <p:extLst>
+      <p:ext uri="{BB962C8B-B14F-4D97-AF65-F5344CB8AC3E}">
+        <p14:creationId xmlns:p14="http://schemas.microsoft.com/office/powerpoint/2010/main" val="2076542361"/>
+      </p:ext>
+    </p:extLst>
+  </p:cSld>
+  <p:clrMapOvr>
+    <a:masterClrMapping/>
+  </p:clrMapOvr>
+</p:sld>
+</file>
+
+<file path=ppt/slides/slide17.xml><?xml version="1.0" encoding="utf-8"?>
+<p:sld xmlns:a="http://schemas.openxmlformats.org/drawingml/2006/main" xmlns:r="http://schemas.openxmlformats.org/officeDocument/2006/relationships" xmlns:p="http://schemas.openxmlformats.org/presentationml/2006/main">
+  <p:cSld>
+    <p:spTree>
+      <p:nvGrpSpPr>
+        <p:cNvPr id="1" name=""/>
+        <p:cNvGrpSpPr/>
+        <p:nvPr/>
+      </p:nvGrpSpPr>
+      <p:grpSpPr>
+        <a:xfrm>
+          <a:off x="0" y="0"/>
+          <a:ext cx="0" cy="0"/>
+          <a:chOff x="0" y="0"/>
+          <a:chExt cx="0" cy="0"/>
+        </a:xfrm>
+      </p:grpSpPr>
+      <p:sp>
+        <p:nvSpPr>
+          <p:cNvPr id="2" name="Title 1">
+            <a:extLst>
+              <a:ext uri="{FF2B5EF4-FFF2-40B4-BE49-F238E27FC236}">
+                <a16:creationId xmlns:a16="http://schemas.microsoft.com/office/drawing/2014/main" id="{57B4CB9C-9C00-5604-1DE3-6D9A73D228CD}"/>
+              </a:ext>
+            </a:extLst>
+          </p:cNvPr>
+          <p:cNvSpPr>
+            <a:spLocks noGrp="1"/>
+          </p:cNvSpPr>
+          <p:nvPr>
+            <p:ph type="title"/>
+          </p:nvPr>
+        </p:nvSpPr>
+        <p:spPr>
+          <a:xfrm>
+            <a:off x="311700" y="2156100"/>
+            <a:ext cx="8520600" cy="831300"/>
+          </a:xfrm>
+        </p:spPr>
+        <p:txBody>
+          <a:bodyPr/>
+          <a:lstStyle/>
+          <a:p>
+            <a:pPr algn="ctr"/>
+            <a:r>
+              <a:rPr lang="en-US" dirty="0" err="1"/>
+              <a:t>Terima</a:t>
+            </a:r>
+            <a:r>
+              <a:rPr lang="en-US" dirty="0"/>
+              <a:t> Kasih</a:t>
+            </a:r>
+            <a:endParaRPr lang="en-ID" dirty="0"/>
+          </a:p>
+        </p:txBody>
+      </p:sp>
+    </p:spTree>
+    <p:extLst>
+      <p:ext uri="{BB962C8B-B14F-4D97-AF65-F5344CB8AC3E}">
+        <p14:creationId xmlns:p14="http://schemas.microsoft.com/office/powerpoint/2010/main" val="1732252316"/>
+      </p:ext>
+    </p:extLst>
+  </p:cSld>
+  <p:clrMapOvr>
+    <a:masterClrMapping/>
+  </p:clrMapOvr>
+</p:sld>
+</file>
+
 <file path=ppt/slides/slide2.xml><?xml version="1.0" encoding="utf-8"?>
 <p:sld xmlns:a="http://schemas.openxmlformats.org/drawingml/2006/main" xmlns:r="http://schemas.openxmlformats.org/officeDocument/2006/relationships" xmlns:p="http://schemas.openxmlformats.org/presentationml/2006/main">
   <p:cSld>
@@ -7531,6 +9053,39 @@
                 <a:latin typeface="Economica" panose="020B0604020202020204" charset="0"/>
               </a:rPr>
               <a:t>         Bachelor of Information System</a:t>
+            </a:r>
+          </a:p>
+          <a:p>
+            <a:pPr marL="139700" indent="0">
+              <a:buNone/>
+            </a:pPr>
+            <a:endParaRPr lang="en-ID" dirty="0">
+              <a:latin typeface="Economica" panose="020B0604020202020204" charset="0"/>
+            </a:endParaRPr>
+          </a:p>
+          <a:p>
+            <a:pPr marL="139700" indent="0">
+              <a:buNone/>
+            </a:pPr>
+            <a:r>
+              <a:rPr lang="en-ID" dirty="0">
+                <a:solidFill>
+                  <a:srgbClr val="0A66D9"/>
+                </a:solidFill>
+                <a:latin typeface="Economica" panose="020B0604020202020204" charset="0"/>
+              </a:rPr>
+              <a:t>Social Media :</a:t>
+            </a:r>
+          </a:p>
+          <a:p>
+            <a:pPr marL="139700" indent="0">
+              <a:buNone/>
+            </a:pPr>
+            <a:r>
+              <a:rPr lang="en-ID" dirty="0">
+                <a:latin typeface="Economica" panose="020B0604020202020204" charset="0"/>
+              </a:rPr>
+              <a:t>https://www.linkedin.com/in/adenurhidayat/</a:t>
             </a:r>
           </a:p>
           <a:p>
@@ -8761,6 +10316,164 @@
           <p:cNvPr id="2" name="Title 1">
             <a:extLst>
               <a:ext uri="{FF2B5EF4-FFF2-40B4-BE49-F238E27FC236}">
+                <a16:creationId xmlns:a16="http://schemas.microsoft.com/office/drawing/2014/main" id="{E8B2155E-4D7F-9342-F098-1280BB5D488A}"/>
+              </a:ext>
+            </a:extLst>
+          </p:cNvPr>
+          <p:cNvSpPr>
+            <a:spLocks noGrp="1"/>
+          </p:cNvSpPr>
+          <p:nvPr>
+            <p:ph type="title"/>
+          </p:nvPr>
+        </p:nvSpPr>
+        <p:spPr/>
+        <p:txBody>
+          <a:bodyPr/>
+          <a:lstStyle/>
+          <a:p>
+            <a:r>
+              <a:rPr lang="en-US" dirty="0" err="1"/>
+              <a:t>Javascript</a:t>
+            </a:r>
+            <a:r>
+              <a:rPr lang="en-US" dirty="0"/>
+              <a:t> as a </a:t>
+            </a:r>
+            <a:r>
+              <a:rPr lang="en-US" dirty="0">
+                <a:solidFill>
+                  <a:srgbClr val="0A66D9"/>
+                </a:solidFill>
+              </a:rPr>
+              <a:t>Backend</a:t>
+            </a:r>
+            <a:endParaRPr lang="en-ID" dirty="0">
+              <a:solidFill>
+                <a:srgbClr val="0A66D9"/>
+              </a:solidFill>
+            </a:endParaRPr>
+          </a:p>
+        </p:txBody>
+      </p:sp>
+      <p:sp>
+        <p:nvSpPr>
+          <p:cNvPr id="3" name="Text Placeholder 2">
+            <a:extLst>
+              <a:ext uri="{FF2B5EF4-FFF2-40B4-BE49-F238E27FC236}">
+                <a16:creationId xmlns:a16="http://schemas.microsoft.com/office/drawing/2014/main" id="{D67F4D8A-B9B3-7C1E-61F3-03493D60C1EF}"/>
+              </a:ext>
+            </a:extLst>
+          </p:cNvPr>
+          <p:cNvSpPr>
+            <a:spLocks noGrp="1"/>
+          </p:cNvSpPr>
+          <p:nvPr>
+            <p:ph type="body" idx="1"/>
+          </p:nvPr>
+        </p:nvSpPr>
+        <p:spPr/>
+        <p:txBody>
+          <a:bodyPr>
+            <a:normAutofit/>
+          </a:bodyPr>
+          <a:lstStyle/>
+          <a:p>
+            <a:r>
+              <a:rPr lang="en-US" sz="2400" dirty="0">
+                <a:latin typeface="Economica" panose="020B0604020202020204" charset="0"/>
+              </a:rPr>
+              <a:t>Express</a:t>
+            </a:r>
+          </a:p>
+          <a:p>
+            <a:r>
+              <a:rPr lang="en-US" sz="2400" dirty="0">
+                <a:latin typeface="Economica" panose="020B0604020202020204" charset="0"/>
+              </a:rPr>
+              <a:t>React</a:t>
+            </a:r>
+          </a:p>
+          <a:p>
+            <a:r>
+              <a:rPr lang="en-US" sz="2400" dirty="0">
+                <a:latin typeface="Economica" panose="020B0604020202020204" charset="0"/>
+              </a:rPr>
+              <a:t>Nest.js</a:t>
+            </a:r>
+          </a:p>
+          <a:p>
+            <a:r>
+              <a:rPr lang="en-US" sz="2400" dirty="0">
+                <a:latin typeface="Economica" panose="020B0604020202020204" charset="0"/>
+              </a:rPr>
+              <a:t>Koa.js</a:t>
+            </a:r>
+          </a:p>
+          <a:p>
+            <a:r>
+              <a:rPr lang="en-US" sz="2400" dirty="0">
+                <a:latin typeface="Economica" panose="020B0604020202020204" charset="0"/>
+              </a:rPr>
+              <a:t>Hapi.js</a:t>
+            </a:r>
+          </a:p>
+          <a:p>
+            <a:r>
+              <a:rPr lang="en-US" sz="2400" dirty="0">
+                <a:latin typeface="Economica" panose="020B0604020202020204" charset="0"/>
+              </a:rPr>
+              <a:t>Sails.js</a:t>
+            </a:r>
+          </a:p>
+          <a:p>
+            <a:r>
+              <a:rPr lang="en-US" sz="2400" dirty="0" err="1">
+                <a:latin typeface="Economica" panose="020B0604020202020204" charset="0"/>
+              </a:rPr>
+              <a:t>etc</a:t>
+            </a:r>
+            <a:endParaRPr lang="en-ID" sz="2400" dirty="0">
+              <a:latin typeface="Economica" panose="020B0604020202020204" charset="0"/>
+            </a:endParaRPr>
+          </a:p>
+        </p:txBody>
+      </p:sp>
+    </p:spTree>
+    <p:extLst>
+      <p:ext uri="{BB962C8B-B14F-4D97-AF65-F5344CB8AC3E}">
+        <p14:creationId xmlns:p14="http://schemas.microsoft.com/office/powerpoint/2010/main" val="2192508727"/>
+      </p:ext>
+    </p:extLst>
+  </p:cSld>
+  <p:clrMapOvr>
+    <a:masterClrMapping/>
+  </p:clrMapOvr>
+</p:sld>
+</file>
+
+<file path=ppt/slides/slide7.xml><?xml version="1.0" encoding="utf-8"?>
+<p:sld xmlns:a="http://schemas.openxmlformats.org/drawingml/2006/main" xmlns:r="http://schemas.openxmlformats.org/officeDocument/2006/relationships" xmlns:p="http://schemas.openxmlformats.org/presentationml/2006/main">
+  <p:cSld>
+    <p:spTree>
+      <p:nvGrpSpPr>
+        <p:cNvPr id="1" name=""/>
+        <p:cNvGrpSpPr/>
+        <p:nvPr/>
+      </p:nvGrpSpPr>
+      <p:grpSpPr>
+        <a:xfrm>
+          <a:off x="0" y="0"/>
+          <a:ext cx="0" cy="0"/>
+          <a:chOff x="0" y="0"/>
+          <a:chExt cx="0" cy="0"/>
+        </a:xfrm>
+      </p:grpSpPr>
+      <p:sp>
+        <p:nvSpPr>
+          <p:cNvPr id="2" name="Title 1">
+            <a:extLst>
+              <a:ext uri="{FF2B5EF4-FFF2-40B4-BE49-F238E27FC236}">
                 <a16:creationId xmlns:a16="http://schemas.microsoft.com/office/drawing/2014/main" id="{57303F07-BA60-1137-00C2-A3030E0DB688}"/>
               </a:ext>
             </a:extLst>
@@ -8815,82 +10528,87 @@
         </p:nvSpPr>
         <p:spPr/>
         <p:txBody>
-          <a:bodyPr/>
+          <a:bodyPr>
+            <a:normAutofit/>
+          </a:bodyPr>
           <a:lstStyle/>
           <a:p>
             <a:r>
-              <a:rPr lang="en-US" dirty="0" err="1">
+              <a:rPr lang="en-US" sz="2400" dirty="0" err="1">
                 <a:latin typeface="Economica" panose="020B0604020202020204" charset="0"/>
               </a:rPr>
               <a:t>MySql</a:t>
             </a:r>
             <a:r>
-              <a:rPr lang="en-US" dirty="0">
+              <a:rPr lang="en-US" sz="2400" dirty="0">
                 <a:latin typeface="Economica" panose="020B0604020202020204" charset="0"/>
               </a:rPr>
               <a:t> -&gt; </a:t>
             </a:r>
             <a:r>
-              <a:rPr lang="en-US" dirty="0" err="1">
+              <a:rPr lang="en-US" sz="2400" dirty="0" err="1">
                 <a:latin typeface="Economica" panose="020B0604020202020204" charset="0"/>
               </a:rPr>
               <a:t>mysql</a:t>
             </a:r>
-            <a:endParaRPr lang="en-US" dirty="0">
-              <a:latin typeface="Economica" panose="020B0604020202020204" charset="0"/>
-            </a:endParaRPr>
-          </a:p>
-          <a:p>
-            <a:r>
-              <a:rPr lang="en-US" dirty="0" err="1">
+            <a:r>
+              <a:rPr lang="en-US" sz="2400" dirty="0">
+                <a:latin typeface="Economica" panose="020B0604020202020204" charset="0"/>
+              </a:rPr>
+              <a:t>, mysql2</a:t>
+            </a:r>
+          </a:p>
+          <a:p>
+            <a:r>
+              <a:rPr lang="en-US" sz="2400" dirty="0" err="1">
                 <a:latin typeface="Economica" panose="020B0604020202020204" charset="0"/>
               </a:rPr>
               <a:t>PostgreSql</a:t>
             </a:r>
             <a:r>
-              <a:rPr lang="en-US" dirty="0">
+              <a:rPr lang="en-US" sz="2400" dirty="0">
                 <a:latin typeface="Economica" panose="020B0604020202020204" charset="0"/>
               </a:rPr>
               <a:t> -&gt; </a:t>
             </a:r>
             <a:r>
-              <a:rPr lang="en-US" dirty="0" err="1">
+              <a:rPr lang="en-US" sz="2400" dirty="0" err="1">
                 <a:latin typeface="Economica" panose="020B0604020202020204" charset="0"/>
               </a:rPr>
               <a:t>pg</a:t>
             </a:r>
-            <a:endParaRPr lang="en-US" dirty="0">
+            <a:endParaRPr lang="en-US" sz="2400" dirty="0">
               <a:latin typeface="Economica" panose="020B0604020202020204" charset="0"/>
             </a:endParaRPr>
           </a:p>
           <a:p>
             <a:r>
-              <a:rPr lang="en-US" dirty="0">
+              <a:rPr lang="en-US" sz="2400" dirty="0">
                 <a:latin typeface="Economica" panose="020B0604020202020204" charset="0"/>
               </a:rPr>
               <a:t>SQL Server -&gt; </a:t>
             </a:r>
             <a:r>
-              <a:rPr lang="en-ID" b="0" i="0" dirty="0" err="1">
+              <a:rPr lang="en-ID" sz="2400" b="0" i="0" dirty="0" err="1">
                 <a:effectLst/>
                 <a:latin typeface="Economica" panose="020B0604020202020204" charset="0"/>
               </a:rPr>
               <a:t>mssql</a:t>
             </a:r>
-            <a:endParaRPr lang="en-ID" b="0" i="0" dirty="0">
+            <a:endParaRPr lang="en-ID" sz="2400" b="0" i="0" dirty="0">
               <a:effectLst/>
               <a:latin typeface="Economica" panose="020B0604020202020204" charset="0"/>
             </a:endParaRPr>
           </a:p>
           <a:p>
             <a:r>
-              <a:rPr lang="en-ID" dirty="0" err="1">
+              <a:rPr lang="en-ID" sz="2400" dirty="0" err="1">
                 <a:latin typeface="Economica" panose="020B0604020202020204" charset="0"/>
               </a:rPr>
               <a:t>Mongodb</a:t>
             </a:r>
             <a:r>
-              <a:rPr lang="en-ID" dirty="0">
+              <a:rPr lang="en-ID" sz="2400" dirty="0">
                 <a:latin typeface="Economica" panose="020B0604020202020204" charset="0"/>
               </a:rPr>
               <a:t> -&gt; mongoose</a:t>
@@ -8898,7 +10616,7 @@
           </a:p>
           <a:p>
             <a:r>
-              <a:rPr lang="en-ID" dirty="0">
+              <a:rPr lang="en-ID" sz="2400" dirty="0">
                 <a:latin typeface="Economica" panose="020B0604020202020204" charset="0"/>
               </a:rPr>
               <a:t>Etc.</a:t>
@@ -8919,7 +10637,7 @@
 </p:sld>
 </file>
 
-<file path=ppt/slides/slide7.xml><?xml version="1.0" encoding="utf-8"?>
+<file path=ppt/slides/slide8.xml><?xml version="1.0" encoding="utf-8"?>
 <p:sld xmlns:a="http://schemas.openxmlformats.org/drawingml/2006/main" xmlns:r="http://schemas.openxmlformats.org/officeDocument/2006/relationships" xmlns:p="http://schemas.openxmlformats.org/presentationml/2006/main">
   <p:cSld>
     <p:spTree>
@@ -9107,7 +10825,7 @@
 </p:sld>
 </file>
 
-<file path=ppt/slides/slide8.xml><?xml version="1.0" encoding="utf-8"?>
+<file path=ppt/slides/slide9.xml><?xml version="1.0" encoding="utf-8"?>
 <p:sld xmlns:a="http://schemas.openxmlformats.org/drawingml/2006/main" xmlns:r="http://schemas.openxmlformats.org/officeDocument/2006/relationships" xmlns:p="http://schemas.openxmlformats.org/presentationml/2006/main">
   <p:cSld>
     <p:spTree>
